--- a/DIA第二次作业 [自动保存的].pptx
+++ b/DIA第二次作业 [自动保存的].pptx
@@ -463,7 +463,7 @@
           <a:p>
             <a:fld id="{D132D6C0-C5B3-401A-9AE6-BDD6444BD593}" type="datetimeFigureOut">
               <a:rPr lang="zh-CN" altLang="en-US" smtClean="0"/>
-              <a:t>2020/11/19</a:t>
+              <a:t>2020/11/23</a:t>
             </a:fld>
             <a:endParaRPr lang="zh-CN" altLang="en-US"/>
           </a:p>
@@ -626,7 +626,7 @@
           <a:p>
             <a:fld id="{D132D6C0-C5B3-401A-9AE6-BDD6444BD593}" type="datetimeFigureOut">
               <a:rPr lang="zh-CN" altLang="en-US" smtClean="0"/>
-              <a:t>2020/11/19</a:t>
+              <a:t>2020/11/23</a:t>
             </a:fld>
             <a:endParaRPr lang="zh-CN" altLang="en-US"/>
           </a:p>
@@ -799,7 +799,7 @@
           <a:p>
             <a:fld id="{D132D6C0-C5B3-401A-9AE6-BDD6444BD593}" type="datetimeFigureOut">
               <a:rPr lang="zh-CN" altLang="en-US" smtClean="0"/>
-              <a:t>2020/11/19</a:t>
+              <a:t>2020/11/23</a:t>
             </a:fld>
             <a:endParaRPr lang="zh-CN" altLang="en-US"/>
           </a:p>
@@ -1029,7 +1029,7 @@
           <a:p>
             <a:fld id="{D132D6C0-C5B3-401A-9AE6-BDD6444BD593}" type="datetimeFigureOut">
               <a:rPr lang="zh-CN" altLang="en-US" smtClean="0"/>
-              <a:t>2020/11/19</a:t>
+              <a:t>2020/11/23</a:t>
             </a:fld>
             <a:endParaRPr lang="zh-CN" altLang="en-US"/>
           </a:p>
@@ -1215,7 +1215,7 @@
           <a:p>
             <a:fld id="{D132D6C0-C5B3-401A-9AE6-BDD6444BD593}" type="datetimeFigureOut">
               <a:rPr lang="zh-CN" altLang="en-US" smtClean="0"/>
-              <a:t>2020/11/19</a:t>
+              <a:t>2020/11/23</a:t>
             </a:fld>
             <a:endParaRPr lang="zh-CN" altLang="en-US"/>
           </a:p>
@@ -1292,7 +1292,7 @@
               </a14:hiddenEffects>
             </a:ext>
             <a:ext uri="{FAA26D3D-D897-4be2-8F04-BA451C77F1D7}">
-              <ma14:placeholderFlag xmlns="" xmlns:ma14="http://schemas.microsoft.com/office/mac/drawingml/2011/main" val="1"/>
+              <ma14:placeholderFlag xmlns:ma14="http://schemas.microsoft.com/office/mac/drawingml/2011/main" xmlns="" val="1"/>
             </a:ext>
           </a:extLst>
         </p:spPr>
@@ -1408,7 +1408,7 @@
           <a:p>
             <a:fld id="{D132D6C0-C5B3-401A-9AE6-BDD6444BD593}" type="datetimeFigureOut">
               <a:rPr lang="zh-CN" altLang="en-US" smtClean="0"/>
-              <a:t>2020/11/19</a:t>
+              <a:t>2020/11/23</a:t>
             </a:fld>
             <a:endParaRPr lang="zh-CN" altLang="en-US"/>
           </a:p>
@@ -1485,7 +1485,7 @@
               </a14:hiddenEffects>
             </a:ext>
             <a:ext uri="{FAA26D3D-D897-4be2-8F04-BA451C77F1D7}">
-              <ma14:placeholderFlag xmlns="" xmlns:ma14="http://schemas.microsoft.com/office/mac/drawingml/2011/main" val="1"/>
+              <ma14:placeholderFlag xmlns:ma14="http://schemas.microsoft.com/office/mac/drawingml/2011/main" xmlns="" val="1"/>
             </a:ext>
           </a:extLst>
         </p:spPr>
@@ -1675,7 +1675,7 @@
           <a:p>
             <a:fld id="{D132D6C0-C5B3-401A-9AE6-BDD6444BD593}" type="datetimeFigureOut">
               <a:rPr lang="zh-CN" altLang="en-US" smtClean="0"/>
-              <a:t>2020/11/19</a:t>
+              <a:t>2020/11/23</a:t>
             </a:fld>
             <a:endParaRPr lang="zh-CN" altLang="en-US"/>
           </a:p>
@@ -1956,7 +1956,7 @@
           <a:p>
             <a:fld id="{D132D6C0-C5B3-401A-9AE6-BDD6444BD593}" type="datetimeFigureOut">
               <a:rPr lang="zh-CN" altLang="en-US" smtClean="0"/>
-              <a:t>2020/11/19</a:t>
+              <a:t>2020/11/23</a:t>
             </a:fld>
             <a:endParaRPr lang="zh-CN" altLang="en-US"/>
           </a:p>
@@ -2376,7 +2376,7 @@
           <a:p>
             <a:fld id="{D132D6C0-C5B3-401A-9AE6-BDD6444BD593}" type="datetimeFigureOut">
               <a:rPr lang="zh-CN" altLang="en-US" smtClean="0"/>
-              <a:t>2020/11/19</a:t>
+              <a:t>2020/11/23</a:t>
             </a:fld>
             <a:endParaRPr lang="zh-CN" altLang="en-US"/>
           </a:p>
@@ -2464,7 +2464,7 @@
           <a:p>
             <a:fld id="{D132D6C0-C5B3-401A-9AE6-BDD6444BD593}" type="datetimeFigureOut">
               <a:rPr lang="zh-CN" altLang="en-US" smtClean="0"/>
-              <a:t>2020/11/19</a:t>
+              <a:t>2020/11/23</a:t>
             </a:fld>
             <a:endParaRPr lang="zh-CN" altLang="en-US"/>
           </a:p>
@@ -2541,7 +2541,7 @@
               </a14:hiddenEffects>
             </a:ext>
             <a:ext uri="{FAA26D3D-D897-4be2-8F04-BA451C77F1D7}">
-              <ma14:placeholderFlag xmlns="" xmlns:ma14="http://schemas.microsoft.com/office/mac/drawingml/2011/main" val="1"/>
+              <ma14:placeholderFlag xmlns:ma14="http://schemas.microsoft.com/office/mac/drawingml/2011/main" xmlns="" val="1"/>
             </a:ext>
           </a:extLst>
         </p:spPr>
@@ -3071,7 +3071,7 @@
           <a:p>
             <a:fld id="{D132D6C0-C5B3-401A-9AE6-BDD6444BD593}" type="datetimeFigureOut">
               <a:rPr lang="zh-CN" altLang="en-US" smtClean="0"/>
-              <a:t>2020/11/19</a:t>
+              <a:t>2020/11/23</a:t>
             </a:fld>
             <a:endParaRPr lang="zh-CN" altLang="en-US"/>
           </a:p>
@@ -3229,7 +3229,7 @@
               </a14:hiddenEffects>
             </a:ext>
             <a:ext uri="{FAA26D3D-D897-4be2-8F04-BA451C77F1D7}">
-              <ma14:placeholderFlag xmlns="" xmlns:ma14="http://schemas.microsoft.com/office/mac/drawingml/2011/main" val="1"/>
+              <ma14:placeholderFlag xmlns:ma14="http://schemas.microsoft.com/office/mac/drawingml/2011/main" xmlns="" val="1"/>
             </a:ext>
           </a:extLst>
         </p:spPr>
@@ -3302,7 +3302,7 @@
               </a14:hiddenEffects>
             </a:ext>
             <a:ext uri="{FAA26D3D-D897-4be2-8F04-BA451C77F1D7}">
-              <ma14:placeholderFlag xmlns="" xmlns:ma14="http://schemas.microsoft.com/office/mac/drawingml/2011/main" val="1"/>
+              <ma14:placeholderFlag xmlns:ma14="http://schemas.microsoft.com/office/mac/drawingml/2011/main" xmlns="" val="1"/>
             </a:ext>
           </a:extLst>
         </p:spPr>
@@ -3513,7 +3513,7 @@
               </a14:hiddenEffects>
             </a:ext>
             <a:ext uri="{FAA26D3D-D897-4be2-8F04-BA451C77F1D7}">
-              <ma14:placeholderFlag xmlns="" xmlns:ma14="http://schemas.microsoft.com/office/mac/drawingml/2011/main" val="1"/>
+              <ma14:placeholderFlag xmlns:ma14="http://schemas.microsoft.com/office/mac/drawingml/2011/main" xmlns="" val="1"/>
             </a:ext>
           </a:extLst>
         </p:spPr>
@@ -3541,7 +3541,7 @@
           <a:p>
             <a:fld id="{D132D6C0-C5B3-401A-9AE6-BDD6444BD593}" type="datetimeFigureOut">
               <a:rPr lang="zh-CN" altLang="en-US" smtClean="0"/>
-              <a:t>2020/11/19</a:t>
+              <a:t>2020/11/23</a:t>
             </a:fld>
             <a:endParaRPr lang="zh-CN" altLang="en-US"/>
           </a:p>
@@ -3600,7 +3600,7 @@
               </a14:hiddenEffects>
             </a:ext>
             <a:ext uri="{FAA26D3D-D897-4be2-8F04-BA451C77F1D7}">
-              <ma14:placeholderFlag xmlns="" xmlns:ma14="http://schemas.microsoft.com/office/mac/drawingml/2011/main" val="1"/>
+              <ma14:placeholderFlag xmlns:ma14="http://schemas.microsoft.com/office/mac/drawingml/2011/main" xmlns="" val="1"/>
             </a:ext>
           </a:extLst>
         </p:spPr>
